--- a/ppt 16-9/0975.凄风枯雨.pptx
+++ b/ppt 16-9/0975.凄风枯雨.pptx
@@ -5,7 +5,7 @@
     <p:sldMasterId id="2147483648" r:id="rId1"/>
   </p:sldMasterIdLst>
   <p:sldIdLst>
-    <p:sldId id="373" r:id="rId2"/>
+    <p:sldId id="375" r:id="rId2"/>
   </p:sldIdLst>
   <p:sldSz cx="12192000" cy="6858000"/>
   <p:notesSz cx="6858000" cy="9144000"/>
@@ -129,7 +129,7 @@
           <p:cNvPr id="2" name="标题 1">
             <a:extLst>
               <a:ext uri="{FF2B5EF4-FFF2-40B4-BE49-F238E27FC236}">
-                <a16:creationId xmlns:a16="http://schemas.microsoft.com/office/drawing/2014/main" id="{B062B2DC-CB28-727A-F6FD-4FBABC111DC5}"/>
+                <a16:creationId xmlns:a16="http://schemas.microsoft.com/office/drawing/2014/main" id="{E95C7FBE-A31F-9250-2AD6-6965DED3EA63}"/>
               </a:ext>
             </a:extLst>
           </p:cNvPr>
@@ -166,7 +166,7 @@
           <p:cNvPr id="3" name="副标题 2">
             <a:extLst>
               <a:ext uri="{FF2B5EF4-FFF2-40B4-BE49-F238E27FC236}">
-                <a16:creationId xmlns:a16="http://schemas.microsoft.com/office/drawing/2014/main" id="{CA718448-8468-448B-A865-9A099B19E2DA}"/>
+                <a16:creationId xmlns:a16="http://schemas.microsoft.com/office/drawing/2014/main" id="{0CA79EF7-2784-D46B-9204-B95510E9841B}"/>
               </a:ext>
             </a:extLst>
           </p:cNvPr>
@@ -236,7 +236,7 @@
           <p:cNvPr id="4" name="日期占位符 3">
             <a:extLst>
               <a:ext uri="{FF2B5EF4-FFF2-40B4-BE49-F238E27FC236}">
-                <a16:creationId xmlns:a16="http://schemas.microsoft.com/office/drawing/2014/main" id="{AEEBCC88-9FA4-1E76-B73C-9AEA57849F2F}"/>
+                <a16:creationId xmlns:a16="http://schemas.microsoft.com/office/drawing/2014/main" id="{423B0BD5-792A-49C7-916E-BBB690FAB35B}"/>
               </a:ext>
             </a:extLst>
           </p:cNvPr>
@@ -252,7 +252,7 @@
           <a:bodyPr/>
           <a:lstStyle/>
           <a:p>
-            <a:fld id="{A45ABB1B-15EC-4D25-B2A5-21AAAD3BA12A}" type="datetimeFigureOut">
+            <a:fld id="{1A8160C6-3135-4D91-98E1-6167B3B225AE}" type="datetimeFigureOut">
               <a:rPr lang="zh-CN" altLang="en-US" smtClean="0"/>
               <a:t>2024/3/10</a:t>
             </a:fld>
@@ -265,7 +265,7 @@
           <p:cNvPr id="5" name="页脚占位符 4">
             <a:extLst>
               <a:ext uri="{FF2B5EF4-FFF2-40B4-BE49-F238E27FC236}">
-                <a16:creationId xmlns:a16="http://schemas.microsoft.com/office/drawing/2014/main" id="{D868EBD5-2D9A-1E68-8135-7BC808671541}"/>
+                <a16:creationId xmlns:a16="http://schemas.microsoft.com/office/drawing/2014/main" id="{DFD04FEA-81CC-4DD7-7860-1E53030BF968}"/>
               </a:ext>
             </a:extLst>
           </p:cNvPr>
@@ -290,7 +290,7 @@
           <p:cNvPr id="6" name="灯片编号占位符 5">
             <a:extLst>
               <a:ext uri="{FF2B5EF4-FFF2-40B4-BE49-F238E27FC236}">
-                <a16:creationId xmlns:a16="http://schemas.microsoft.com/office/drawing/2014/main" id="{71C47115-2A35-E3C3-0F34-65FC2703C655}"/>
+                <a16:creationId xmlns:a16="http://schemas.microsoft.com/office/drawing/2014/main" id="{F10121F9-7DDE-9385-F6D6-4507DD709E4B}"/>
               </a:ext>
             </a:extLst>
           </p:cNvPr>
@@ -306,7 +306,7 @@
           <a:bodyPr/>
           <a:lstStyle/>
           <a:p>
-            <a:fld id="{EE1C750B-2A47-4C16-B557-E287EBC1C316}" type="slidenum">
+            <a:fld id="{2D334A2C-AE88-4B50-B71C-005F5FC13364}" type="slidenum">
               <a:rPr lang="zh-CN" altLang="en-US" smtClean="0"/>
               <a:t>‹#›</a:t>
             </a:fld>
@@ -317,7 +317,7 @@
     </p:spTree>
     <p:extLst>
       <p:ext uri="{BB962C8B-B14F-4D97-AF65-F5344CB8AC3E}">
-        <p14:creationId xmlns:p14="http://schemas.microsoft.com/office/powerpoint/2010/main" val="2853458018"/>
+        <p14:creationId xmlns:p14="http://schemas.microsoft.com/office/powerpoint/2010/main" val="1187903272"/>
       </p:ext>
     </p:extLst>
   </p:cSld>
@@ -349,7 +349,7 @@
           <p:cNvPr id="2" name="标题 1">
             <a:extLst>
               <a:ext uri="{FF2B5EF4-FFF2-40B4-BE49-F238E27FC236}">
-                <a16:creationId xmlns:a16="http://schemas.microsoft.com/office/drawing/2014/main" id="{81D4B8D1-A140-87A9-407F-7716B41D0E99}"/>
+                <a16:creationId xmlns:a16="http://schemas.microsoft.com/office/drawing/2014/main" id="{5E293649-9CDF-FEAB-BF60-2652B0851BA2}"/>
               </a:ext>
             </a:extLst>
           </p:cNvPr>
@@ -377,7 +377,7 @@
           <p:cNvPr id="3" name="竖排文字占位符 2">
             <a:extLst>
               <a:ext uri="{FF2B5EF4-FFF2-40B4-BE49-F238E27FC236}">
-                <a16:creationId xmlns:a16="http://schemas.microsoft.com/office/drawing/2014/main" id="{7AB40817-31E1-3132-771F-486BA8990EBE}"/>
+                <a16:creationId xmlns:a16="http://schemas.microsoft.com/office/drawing/2014/main" id="{88C00EDA-A30D-2633-3C8D-1B4CDB83F600}"/>
               </a:ext>
             </a:extLst>
           </p:cNvPr>
@@ -434,7 +434,7 @@
           <p:cNvPr id="4" name="日期占位符 3">
             <a:extLst>
               <a:ext uri="{FF2B5EF4-FFF2-40B4-BE49-F238E27FC236}">
-                <a16:creationId xmlns:a16="http://schemas.microsoft.com/office/drawing/2014/main" id="{16C65EC7-23A6-0409-8B04-7F86EB948498}"/>
+                <a16:creationId xmlns:a16="http://schemas.microsoft.com/office/drawing/2014/main" id="{71EE9171-E287-C2D2-A36D-A158A3D3E2B4}"/>
               </a:ext>
             </a:extLst>
           </p:cNvPr>
@@ -450,7 +450,7 @@
           <a:bodyPr/>
           <a:lstStyle/>
           <a:p>
-            <a:fld id="{A45ABB1B-15EC-4D25-B2A5-21AAAD3BA12A}" type="datetimeFigureOut">
+            <a:fld id="{1A8160C6-3135-4D91-98E1-6167B3B225AE}" type="datetimeFigureOut">
               <a:rPr lang="zh-CN" altLang="en-US" smtClean="0"/>
               <a:t>2024/3/10</a:t>
             </a:fld>
@@ -463,7 +463,7 @@
           <p:cNvPr id="5" name="页脚占位符 4">
             <a:extLst>
               <a:ext uri="{FF2B5EF4-FFF2-40B4-BE49-F238E27FC236}">
-                <a16:creationId xmlns:a16="http://schemas.microsoft.com/office/drawing/2014/main" id="{08980D64-D430-2FF4-957A-671A92D9E522}"/>
+                <a16:creationId xmlns:a16="http://schemas.microsoft.com/office/drawing/2014/main" id="{5A7C100C-BAD4-A7BF-CEED-2FE945BCF3F6}"/>
               </a:ext>
             </a:extLst>
           </p:cNvPr>
@@ -488,7 +488,7 @@
           <p:cNvPr id="6" name="灯片编号占位符 5">
             <a:extLst>
               <a:ext uri="{FF2B5EF4-FFF2-40B4-BE49-F238E27FC236}">
-                <a16:creationId xmlns:a16="http://schemas.microsoft.com/office/drawing/2014/main" id="{80247250-F454-891E-FDA3-D22E4F7D8965}"/>
+                <a16:creationId xmlns:a16="http://schemas.microsoft.com/office/drawing/2014/main" id="{51749609-069B-67FF-A573-AA2A84F6AAF2}"/>
               </a:ext>
             </a:extLst>
           </p:cNvPr>
@@ -504,7 +504,7 @@
           <a:bodyPr/>
           <a:lstStyle/>
           <a:p>
-            <a:fld id="{EE1C750B-2A47-4C16-B557-E287EBC1C316}" type="slidenum">
+            <a:fld id="{2D334A2C-AE88-4B50-B71C-005F5FC13364}" type="slidenum">
               <a:rPr lang="zh-CN" altLang="en-US" smtClean="0"/>
               <a:t>‹#›</a:t>
             </a:fld>
@@ -515,7 +515,7 @@
     </p:spTree>
     <p:extLst>
       <p:ext uri="{BB962C8B-B14F-4D97-AF65-F5344CB8AC3E}">
-        <p14:creationId xmlns:p14="http://schemas.microsoft.com/office/powerpoint/2010/main" val="2703527049"/>
+        <p14:creationId xmlns:p14="http://schemas.microsoft.com/office/powerpoint/2010/main" val="3432525661"/>
       </p:ext>
     </p:extLst>
   </p:cSld>
@@ -547,7 +547,7 @@
           <p:cNvPr id="2" name="竖排标题 1">
             <a:extLst>
               <a:ext uri="{FF2B5EF4-FFF2-40B4-BE49-F238E27FC236}">
-                <a16:creationId xmlns:a16="http://schemas.microsoft.com/office/drawing/2014/main" id="{C5939C97-FBFC-30EE-6124-AA06061B5F3C}"/>
+                <a16:creationId xmlns:a16="http://schemas.microsoft.com/office/drawing/2014/main" id="{32F19F2D-EB61-1DE3-622C-2621B9A758B8}"/>
               </a:ext>
             </a:extLst>
           </p:cNvPr>
@@ -580,7 +580,7 @@
           <p:cNvPr id="3" name="竖排文字占位符 2">
             <a:extLst>
               <a:ext uri="{FF2B5EF4-FFF2-40B4-BE49-F238E27FC236}">
-                <a16:creationId xmlns:a16="http://schemas.microsoft.com/office/drawing/2014/main" id="{76EA94FC-26C6-9B29-E324-899DCF2875A7}"/>
+                <a16:creationId xmlns:a16="http://schemas.microsoft.com/office/drawing/2014/main" id="{12FE3D2A-6EDD-CF6A-A4F8-53E19090B01B}"/>
               </a:ext>
             </a:extLst>
           </p:cNvPr>
@@ -642,7 +642,7 @@
           <p:cNvPr id="4" name="日期占位符 3">
             <a:extLst>
               <a:ext uri="{FF2B5EF4-FFF2-40B4-BE49-F238E27FC236}">
-                <a16:creationId xmlns:a16="http://schemas.microsoft.com/office/drawing/2014/main" id="{724A6BF5-2D1C-D403-B081-C5E0748F2FF2}"/>
+                <a16:creationId xmlns:a16="http://schemas.microsoft.com/office/drawing/2014/main" id="{847191EB-F36E-7029-774A-BD8CEA6BE3DA}"/>
               </a:ext>
             </a:extLst>
           </p:cNvPr>
@@ -658,7 +658,7 @@
           <a:bodyPr/>
           <a:lstStyle/>
           <a:p>
-            <a:fld id="{A45ABB1B-15EC-4D25-B2A5-21AAAD3BA12A}" type="datetimeFigureOut">
+            <a:fld id="{1A8160C6-3135-4D91-98E1-6167B3B225AE}" type="datetimeFigureOut">
               <a:rPr lang="zh-CN" altLang="en-US" smtClean="0"/>
               <a:t>2024/3/10</a:t>
             </a:fld>
@@ -671,7 +671,7 @@
           <p:cNvPr id="5" name="页脚占位符 4">
             <a:extLst>
               <a:ext uri="{FF2B5EF4-FFF2-40B4-BE49-F238E27FC236}">
-                <a16:creationId xmlns:a16="http://schemas.microsoft.com/office/drawing/2014/main" id="{9D580B22-6622-2B60-8B3F-A27D4ACC5684}"/>
+                <a16:creationId xmlns:a16="http://schemas.microsoft.com/office/drawing/2014/main" id="{1645B7CC-FB7C-23BA-9104-3EEE009C03E6}"/>
               </a:ext>
             </a:extLst>
           </p:cNvPr>
@@ -696,7 +696,7 @@
           <p:cNvPr id="6" name="灯片编号占位符 5">
             <a:extLst>
               <a:ext uri="{FF2B5EF4-FFF2-40B4-BE49-F238E27FC236}">
-                <a16:creationId xmlns:a16="http://schemas.microsoft.com/office/drawing/2014/main" id="{BF477DA4-7A26-A391-8A3B-EEC265174498}"/>
+                <a16:creationId xmlns:a16="http://schemas.microsoft.com/office/drawing/2014/main" id="{5F8EEF28-E038-40E5-920E-6942029F12F3}"/>
               </a:ext>
             </a:extLst>
           </p:cNvPr>
@@ -712,7 +712,7 @@
           <a:bodyPr/>
           <a:lstStyle/>
           <a:p>
-            <a:fld id="{EE1C750B-2A47-4C16-B557-E287EBC1C316}" type="slidenum">
+            <a:fld id="{2D334A2C-AE88-4B50-B71C-005F5FC13364}" type="slidenum">
               <a:rPr lang="zh-CN" altLang="en-US" smtClean="0"/>
               <a:t>‹#›</a:t>
             </a:fld>
@@ -723,7 +723,7 @@
     </p:spTree>
     <p:extLst>
       <p:ext uri="{BB962C8B-B14F-4D97-AF65-F5344CB8AC3E}">
-        <p14:creationId xmlns:p14="http://schemas.microsoft.com/office/powerpoint/2010/main" val="1865486125"/>
+        <p14:creationId xmlns:p14="http://schemas.microsoft.com/office/powerpoint/2010/main" val="3978111433"/>
       </p:ext>
     </p:extLst>
   </p:cSld>
@@ -755,7 +755,7 @@
           <p:cNvPr id="2" name="标题 1">
             <a:extLst>
               <a:ext uri="{FF2B5EF4-FFF2-40B4-BE49-F238E27FC236}">
-                <a16:creationId xmlns:a16="http://schemas.microsoft.com/office/drawing/2014/main" id="{5C779212-C93E-67DA-F7F5-64AB2E911C47}"/>
+                <a16:creationId xmlns:a16="http://schemas.microsoft.com/office/drawing/2014/main" id="{8186E0B9-D733-B404-65F1-E0B83214B655}"/>
               </a:ext>
             </a:extLst>
           </p:cNvPr>
@@ -783,7 +783,7 @@
           <p:cNvPr id="3" name="内容占位符 2">
             <a:extLst>
               <a:ext uri="{FF2B5EF4-FFF2-40B4-BE49-F238E27FC236}">
-                <a16:creationId xmlns:a16="http://schemas.microsoft.com/office/drawing/2014/main" id="{C8B0A88A-120D-50C8-B901-4DFB9541260B}"/>
+                <a16:creationId xmlns:a16="http://schemas.microsoft.com/office/drawing/2014/main" id="{815949E4-54B8-4220-3802-AE8B1BB6C12B}"/>
               </a:ext>
             </a:extLst>
           </p:cNvPr>
@@ -840,7 +840,7 @@
           <p:cNvPr id="4" name="日期占位符 3">
             <a:extLst>
               <a:ext uri="{FF2B5EF4-FFF2-40B4-BE49-F238E27FC236}">
-                <a16:creationId xmlns:a16="http://schemas.microsoft.com/office/drawing/2014/main" id="{6D5861AE-5E75-6B47-CB8C-75EEABA3F856}"/>
+                <a16:creationId xmlns:a16="http://schemas.microsoft.com/office/drawing/2014/main" id="{AFC65F11-650E-E1BC-1312-2CF13C290DE0}"/>
               </a:ext>
             </a:extLst>
           </p:cNvPr>
@@ -856,7 +856,7 @@
           <a:bodyPr/>
           <a:lstStyle/>
           <a:p>
-            <a:fld id="{A45ABB1B-15EC-4D25-B2A5-21AAAD3BA12A}" type="datetimeFigureOut">
+            <a:fld id="{1A8160C6-3135-4D91-98E1-6167B3B225AE}" type="datetimeFigureOut">
               <a:rPr lang="zh-CN" altLang="en-US" smtClean="0"/>
               <a:t>2024/3/10</a:t>
             </a:fld>
@@ -869,7 +869,7 @@
           <p:cNvPr id="5" name="页脚占位符 4">
             <a:extLst>
               <a:ext uri="{FF2B5EF4-FFF2-40B4-BE49-F238E27FC236}">
-                <a16:creationId xmlns:a16="http://schemas.microsoft.com/office/drawing/2014/main" id="{AFB7992B-4EBD-055C-C951-130CB1063239}"/>
+                <a16:creationId xmlns:a16="http://schemas.microsoft.com/office/drawing/2014/main" id="{148514A9-3F78-48A1-29D8-371E10EC5AE1}"/>
               </a:ext>
             </a:extLst>
           </p:cNvPr>
@@ -894,7 +894,7 @@
           <p:cNvPr id="6" name="灯片编号占位符 5">
             <a:extLst>
               <a:ext uri="{FF2B5EF4-FFF2-40B4-BE49-F238E27FC236}">
-                <a16:creationId xmlns:a16="http://schemas.microsoft.com/office/drawing/2014/main" id="{0A09E4AE-939D-E937-DE8B-E64EDE5A6C9F}"/>
+                <a16:creationId xmlns:a16="http://schemas.microsoft.com/office/drawing/2014/main" id="{526E2C91-BF26-0A00-0E34-3A8C799910FA}"/>
               </a:ext>
             </a:extLst>
           </p:cNvPr>
@@ -910,7 +910,7 @@
           <a:bodyPr/>
           <a:lstStyle/>
           <a:p>
-            <a:fld id="{EE1C750B-2A47-4C16-B557-E287EBC1C316}" type="slidenum">
+            <a:fld id="{2D334A2C-AE88-4B50-B71C-005F5FC13364}" type="slidenum">
               <a:rPr lang="zh-CN" altLang="en-US" smtClean="0"/>
               <a:t>‹#›</a:t>
             </a:fld>
@@ -921,7 +921,7 @@
     </p:spTree>
     <p:extLst>
       <p:ext uri="{BB962C8B-B14F-4D97-AF65-F5344CB8AC3E}">
-        <p14:creationId xmlns:p14="http://schemas.microsoft.com/office/powerpoint/2010/main" val="3231973046"/>
+        <p14:creationId xmlns:p14="http://schemas.microsoft.com/office/powerpoint/2010/main" val="3558227115"/>
       </p:ext>
     </p:extLst>
   </p:cSld>
@@ -953,7 +953,7 @@
           <p:cNvPr id="2" name="标题 1">
             <a:extLst>
               <a:ext uri="{FF2B5EF4-FFF2-40B4-BE49-F238E27FC236}">
-                <a16:creationId xmlns:a16="http://schemas.microsoft.com/office/drawing/2014/main" id="{2EF43889-2D76-1308-21A9-1C8BCD6CCD24}"/>
+                <a16:creationId xmlns:a16="http://schemas.microsoft.com/office/drawing/2014/main" id="{3BC1A909-BC10-CAD3-349A-D00ED3C13F25}"/>
               </a:ext>
             </a:extLst>
           </p:cNvPr>
@@ -990,7 +990,7 @@
           <p:cNvPr id="3" name="文本占位符 2">
             <a:extLst>
               <a:ext uri="{FF2B5EF4-FFF2-40B4-BE49-F238E27FC236}">
-                <a16:creationId xmlns:a16="http://schemas.microsoft.com/office/drawing/2014/main" id="{713BB8C6-3F5F-8945-B37A-0B6E7AA5C725}"/>
+                <a16:creationId xmlns:a16="http://schemas.microsoft.com/office/drawing/2014/main" id="{E09876BF-CD1C-5BE1-610E-5AA86386DFAE}"/>
               </a:ext>
             </a:extLst>
           </p:cNvPr>
@@ -1115,7 +1115,7 @@
           <p:cNvPr id="4" name="日期占位符 3">
             <a:extLst>
               <a:ext uri="{FF2B5EF4-FFF2-40B4-BE49-F238E27FC236}">
-                <a16:creationId xmlns:a16="http://schemas.microsoft.com/office/drawing/2014/main" id="{D4CB175C-7336-3371-A724-897B9558FDD4}"/>
+                <a16:creationId xmlns:a16="http://schemas.microsoft.com/office/drawing/2014/main" id="{3630D279-03D6-5095-4261-1152C3189BCC}"/>
               </a:ext>
             </a:extLst>
           </p:cNvPr>
@@ -1131,7 +1131,7 @@
           <a:bodyPr/>
           <a:lstStyle/>
           <a:p>
-            <a:fld id="{A45ABB1B-15EC-4D25-B2A5-21AAAD3BA12A}" type="datetimeFigureOut">
+            <a:fld id="{1A8160C6-3135-4D91-98E1-6167B3B225AE}" type="datetimeFigureOut">
               <a:rPr lang="zh-CN" altLang="en-US" smtClean="0"/>
               <a:t>2024/3/10</a:t>
             </a:fld>
@@ -1144,7 +1144,7 @@
           <p:cNvPr id="5" name="页脚占位符 4">
             <a:extLst>
               <a:ext uri="{FF2B5EF4-FFF2-40B4-BE49-F238E27FC236}">
-                <a16:creationId xmlns:a16="http://schemas.microsoft.com/office/drawing/2014/main" id="{0540C381-E3D6-D729-DC7F-C24E32B35008}"/>
+                <a16:creationId xmlns:a16="http://schemas.microsoft.com/office/drawing/2014/main" id="{C83B6953-15BE-7133-D2AE-898C1FFC2113}"/>
               </a:ext>
             </a:extLst>
           </p:cNvPr>
@@ -1169,7 +1169,7 @@
           <p:cNvPr id="6" name="灯片编号占位符 5">
             <a:extLst>
               <a:ext uri="{FF2B5EF4-FFF2-40B4-BE49-F238E27FC236}">
-                <a16:creationId xmlns:a16="http://schemas.microsoft.com/office/drawing/2014/main" id="{D6497F7E-ED91-D9DC-97BE-59B2FFE0B514}"/>
+                <a16:creationId xmlns:a16="http://schemas.microsoft.com/office/drawing/2014/main" id="{A4272DF1-225A-8565-D4D1-568BACAFE883}"/>
               </a:ext>
             </a:extLst>
           </p:cNvPr>
@@ -1185,7 +1185,7 @@
           <a:bodyPr/>
           <a:lstStyle/>
           <a:p>
-            <a:fld id="{EE1C750B-2A47-4C16-B557-E287EBC1C316}" type="slidenum">
+            <a:fld id="{2D334A2C-AE88-4B50-B71C-005F5FC13364}" type="slidenum">
               <a:rPr lang="zh-CN" altLang="en-US" smtClean="0"/>
               <a:t>‹#›</a:t>
             </a:fld>
@@ -1196,7 +1196,7 @@
     </p:spTree>
     <p:extLst>
       <p:ext uri="{BB962C8B-B14F-4D97-AF65-F5344CB8AC3E}">
-        <p14:creationId xmlns:p14="http://schemas.microsoft.com/office/powerpoint/2010/main" val="2749870109"/>
+        <p14:creationId xmlns:p14="http://schemas.microsoft.com/office/powerpoint/2010/main" val="2573315999"/>
       </p:ext>
     </p:extLst>
   </p:cSld>
@@ -1228,7 +1228,7 @@
           <p:cNvPr id="2" name="标题 1">
             <a:extLst>
               <a:ext uri="{FF2B5EF4-FFF2-40B4-BE49-F238E27FC236}">
-                <a16:creationId xmlns:a16="http://schemas.microsoft.com/office/drawing/2014/main" id="{C0B0E113-EFFD-D3FC-D7E5-027B3591B0D3}"/>
+                <a16:creationId xmlns:a16="http://schemas.microsoft.com/office/drawing/2014/main" id="{8BF561CC-8FFF-21BF-CDF9-8530614B9C2A}"/>
               </a:ext>
             </a:extLst>
           </p:cNvPr>
@@ -1256,7 +1256,7 @@
           <p:cNvPr id="3" name="内容占位符 2">
             <a:extLst>
               <a:ext uri="{FF2B5EF4-FFF2-40B4-BE49-F238E27FC236}">
-                <a16:creationId xmlns:a16="http://schemas.microsoft.com/office/drawing/2014/main" id="{24158253-4478-EE0F-B1B5-69CBFE6CF3EC}"/>
+                <a16:creationId xmlns:a16="http://schemas.microsoft.com/office/drawing/2014/main" id="{BAA6EFD2-0C9E-0120-23A0-2E30BEE41A5B}"/>
               </a:ext>
             </a:extLst>
           </p:cNvPr>
@@ -1318,7 +1318,7 @@
           <p:cNvPr id="4" name="内容占位符 3">
             <a:extLst>
               <a:ext uri="{FF2B5EF4-FFF2-40B4-BE49-F238E27FC236}">
-                <a16:creationId xmlns:a16="http://schemas.microsoft.com/office/drawing/2014/main" id="{9BAE698C-2D91-483C-BA3D-DAFBAB2F2044}"/>
+                <a16:creationId xmlns:a16="http://schemas.microsoft.com/office/drawing/2014/main" id="{84EA2B22-A9C5-34C3-5FA8-A9CFF539ADBB}"/>
               </a:ext>
             </a:extLst>
           </p:cNvPr>
@@ -1380,7 +1380,7 @@
           <p:cNvPr id="5" name="日期占位符 4">
             <a:extLst>
               <a:ext uri="{FF2B5EF4-FFF2-40B4-BE49-F238E27FC236}">
-                <a16:creationId xmlns:a16="http://schemas.microsoft.com/office/drawing/2014/main" id="{EA50FCD3-6CE5-B5AA-1A41-0DAB945B82CC}"/>
+                <a16:creationId xmlns:a16="http://schemas.microsoft.com/office/drawing/2014/main" id="{A109B622-82B2-0C57-DEA3-B6BDA2B1612C}"/>
               </a:ext>
             </a:extLst>
           </p:cNvPr>
@@ -1396,7 +1396,7 @@
           <a:bodyPr/>
           <a:lstStyle/>
           <a:p>
-            <a:fld id="{A45ABB1B-15EC-4D25-B2A5-21AAAD3BA12A}" type="datetimeFigureOut">
+            <a:fld id="{1A8160C6-3135-4D91-98E1-6167B3B225AE}" type="datetimeFigureOut">
               <a:rPr lang="zh-CN" altLang="en-US" smtClean="0"/>
               <a:t>2024/3/10</a:t>
             </a:fld>
@@ -1409,7 +1409,7 @@
           <p:cNvPr id="6" name="页脚占位符 5">
             <a:extLst>
               <a:ext uri="{FF2B5EF4-FFF2-40B4-BE49-F238E27FC236}">
-                <a16:creationId xmlns:a16="http://schemas.microsoft.com/office/drawing/2014/main" id="{0A6900A8-388B-A5C2-94F2-FAA7D17BAD4D}"/>
+                <a16:creationId xmlns:a16="http://schemas.microsoft.com/office/drawing/2014/main" id="{D45E845B-D4D8-27DA-70CD-C2B3C9FE6CE7}"/>
               </a:ext>
             </a:extLst>
           </p:cNvPr>
@@ -1434,7 +1434,7 @@
           <p:cNvPr id="7" name="灯片编号占位符 6">
             <a:extLst>
               <a:ext uri="{FF2B5EF4-FFF2-40B4-BE49-F238E27FC236}">
-                <a16:creationId xmlns:a16="http://schemas.microsoft.com/office/drawing/2014/main" id="{475EACC8-1C05-F771-541C-3F95370F9C06}"/>
+                <a16:creationId xmlns:a16="http://schemas.microsoft.com/office/drawing/2014/main" id="{8AAA7084-F290-0019-96F6-42B48745EB2A}"/>
               </a:ext>
             </a:extLst>
           </p:cNvPr>
@@ -1450,7 +1450,7 @@
           <a:bodyPr/>
           <a:lstStyle/>
           <a:p>
-            <a:fld id="{EE1C750B-2A47-4C16-B557-E287EBC1C316}" type="slidenum">
+            <a:fld id="{2D334A2C-AE88-4B50-B71C-005F5FC13364}" type="slidenum">
               <a:rPr lang="zh-CN" altLang="en-US" smtClean="0"/>
               <a:t>‹#›</a:t>
             </a:fld>
@@ -1461,7 +1461,7 @@
     </p:spTree>
     <p:extLst>
       <p:ext uri="{BB962C8B-B14F-4D97-AF65-F5344CB8AC3E}">
-        <p14:creationId xmlns:p14="http://schemas.microsoft.com/office/powerpoint/2010/main" val="3761547471"/>
+        <p14:creationId xmlns:p14="http://schemas.microsoft.com/office/powerpoint/2010/main" val="3611229113"/>
       </p:ext>
     </p:extLst>
   </p:cSld>
@@ -1493,7 +1493,7 @@
           <p:cNvPr id="2" name="标题 1">
             <a:extLst>
               <a:ext uri="{FF2B5EF4-FFF2-40B4-BE49-F238E27FC236}">
-                <a16:creationId xmlns:a16="http://schemas.microsoft.com/office/drawing/2014/main" id="{39EF7CAB-F00A-8154-DD60-1F31BCD3004F}"/>
+                <a16:creationId xmlns:a16="http://schemas.microsoft.com/office/drawing/2014/main" id="{7D269CA4-EBC8-DB06-C510-FEA6987808FF}"/>
               </a:ext>
             </a:extLst>
           </p:cNvPr>
@@ -1526,7 +1526,7 @@
           <p:cNvPr id="3" name="文本占位符 2">
             <a:extLst>
               <a:ext uri="{FF2B5EF4-FFF2-40B4-BE49-F238E27FC236}">
-                <a16:creationId xmlns:a16="http://schemas.microsoft.com/office/drawing/2014/main" id="{6F42CA45-3D6D-B1D2-CF3E-0D2A077DF598}"/>
+                <a16:creationId xmlns:a16="http://schemas.microsoft.com/office/drawing/2014/main" id="{9DA2F822-6B2B-4CC9-EBC0-B551A5B94FED}"/>
               </a:ext>
             </a:extLst>
           </p:cNvPr>
@@ -1597,7 +1597,7 @@
           <p:cNvPr id="4" name="内容占位符 3">
             <a:extLst>
               <a:ext uri="{FF2B5EF4-FFF2-40B4-BE49-F238E27FC236}">
-                <a16:creationId xmlns:a16="http://schemas.microsoft.com/office/drawing/2014/main" id="{53AB439A-F4C7-C0CE-D8BA-D4BB8666A637}"/>
+                <a16:creationId xmlns:a16="http://schemas.microsoft.com/office/drawing/2014/main" id="{AC079C96-20C2-80B8-C694-79E579387F75}"/>
               </a:ext>
             </a:extLst>
           </p:cNvPr>
@@ -1659,7 +1659,7 @@
           <p:cNvPr id="5" name="文本占位符 4">
             <a:extLst>
               <a:ext uri="{FF2B5EF4-FFF2-40B4-BE49-F238E27FC236}">
-                <a16:creationId xmlns:a16="http://schemas.microsoft.com/office/drawing/2014/main" id="{658D3FD9-A452-5B72-4334-B7DE2CE64DBA}"/>
+                <a16:creationId xmlns:a16="http://schemas.microsoft.com/office/drawing/2014/main" id="{32E4C06B-527C-E740-AF30-709EF309B253}"/>
               </a:ext>
             </a:extLst>
           </p:cNvPr>
@@ -1730,7 +1730,7 @@
           <p:cNvPr id="6" name="内容占位符 5">
             <a:extLst>
               <a:ext uri="{FF2B5EF4-FFF2-40B4-BE49-F238E27FC236}">
-                <a16:creationId xmlns:a16="http://schemas.microsoft.com/office/drawing/2014/main" id="{6E5B9717-C8A1-CB7B-CCE8-7A38971A8CEA}"/>
+                <a16:creationId xmlns:a16="http://schemas.microsoft.com/office/drawing/2014/main" id="{97A61241-7D51-55AA-E537-5227319969E9}"/>
               </a:ext>
             </a:extLst>
           </p:cNvPr>
@@ -1792,7 +1792,7 @@
           <p:cNvPr id="7" name="日期占位符 6">
             <a:extLst>
               <a:ext uri="{FF2B5EF4-FFF2-40B4-BE49-F238E27FC236}">
-                <a16:creationId xmlns:a16="http://schemas.microsoft.com/office/drawing/2014/main" id="{0643E39D-621C-5DE5-6E12-1ED39968E0B2}"/>
+                <a16:creationId xmlns:a16="http://schemas.microsoft.com/office/drawing/2014/main" id="{10421F0F-CA3F-688A-8026-2D83E9BA7643}"/>
               </a:ext>
             </a:extLst>
           </p:cNvPr>
@@ -1808,7 +1808,7 @@
           <a:bodyPr/>
           <a:lstStyle/>
           <a:p>
-            <a:fld id="{A45ABB1B-15EC-4D25-B2A5-21AAAD3BA12A}" type="datetimeFigureOut">
+            <a:fld id="{1A8160C6-3135-4D91-98E1-6167B3B225AE}" type="datetimeFigureOut">
               <a:rPr lang="zh-CN" altLang="en-US" smtClean="0"/>
               <a:t>2024/3/10</a:t>
             </a:fld>
@@ -1821,7 +1821,7 @@
           <p:cNvPr id="8" name="页脚占位符 7">
             <a:extLst>
               <a:ext uri="{FF2B5EF4-FFF2-40B4-BE49-F238E27FC236}">
-                <a16:creationId xmlns:a16="http://schemas.microsoft.com/office/drawing/2014/main" id="{33CDDAA4-B55A-57A7-0481-0FC184294F40}"/>
+                <a16:creationId xmlns:a16="http://schemas.microsoft.com/office/drawing/2014/main" id="{A7A57514-040F-69AA-9132-A2DCE1F95B6D}"/>
               </a:ext>
             </a:extLst>
           </p:cNvPr>
@@ -1846,7 +1846,7 @@
           <p:cNvPr id="9" name="灯片编号占位符 8">
             <a:extLst>
               <a:ext uri="{FF2B5EF4-FFF2-40B4-BE49-F238E27FC236}">
-                <a16:creationId xmlns:a16="http://schemas.microsoft.com/office/drawing/2014/main" id="{AFB020A3-A927-2323-CC6D-8FCE197A537D}"/>
+                <a16:creationId xmlns:a16="http://schemas.microsoft.com/office/drawing/2014/main" id="{A4C8DE9A-F640-E87F-5C80-BC9CB5CC3707}"/>
               </a:ext>
             </a:extLst>
           </p:cNvPr>
@@ -1862,7 +1862,7 @@
           <a:bodyPr/>
           <a:lstStyle/>
           <a:p>
-            <a:fld id="{EE1C750B-2A47-4C16-B557-E287EBC1C316}" type="slidenum">
+            <a:fld id="{2D334A2C-AE88-4B50-B71C-005F5FC13364}" type="slidenum">
               <a:rPr lang="zh-CN" altLang="en-US" smtClean="0"/>
               <a:t>‹#›</a:t>
             </a:fld>
@@ -1873,7 +1873,7 @@
     </p:spTree>
     <p:extLst>
       <p:ext uri="{BB962C8B-B14F-4D97-AF65-F5344CB8AC3E}">
-        <p14:creationId xmlns:p14="http://schemas.microsoft.com/office/powerpoint/2010/main" val="4049926613"/>
+        <p14:creationId xmlns:p14="http://schemas.microsoft.com/office/powerpoint/2010/main" val="3947505245"/>
       </p:ext>
     </p:extLst>
   </p:cSld>
@@ -1905,7 +1905,7 @@
           <p:cNvPr id="2" name="标题 1">
             <a:extLst>
               <a:ext uri="{FF2B5EF4-FFF2-40B4-BE49-F238E27FC236}">
-                <a16:creationId xmlns:a16="http://schemas.microsoft.com/office/drawing/2014/main" id="{94664291-261C-2400-A876-FE7124788A04}"/>
+                <a16:creationId xmlns:a16="http://schemas.microsoft.com/office/drawing/2014/main" id="{39D69843-B9CD-3D1C-6B5E-9D98E347D6EB}"/>
               </a:ext>
             </a:extLst>
           </p:cNvPr>
@@ -1933,7 +1933,7 @@
           <p:cNvPr id="3" name="日期占位符 2">
             <a:extLst>
               <a:ext uri="{FF2B5EF4-FFF2-40B4-BE49-F238E27FC236}">
-                <a16:creationId xmlns:a16="http://schemas.microsoft.com/office/drawing/2014/main" id="{7A9A88A1-3068-2166-39B8-AF93D97C16F7}"/>
+                <a16:creationId xmlns:a16="http://schemas.microsoft.com/office/drawing/2014/main" id="{FEB64F72-A444-A876-E978-EA734175CE70}"/>
               </a:ext>
             </a:extLst>
           </p:cNvPr>
@@ -1949,7 +1949,7 @@
           <a:bodyPr/>
           <a:lstStyle/>
           <a:p>
-            <a:fld id="{A45ABB1B-15EC-4D25-B2A5-21AAAD3BA12A}" type="datetimeFigureOut">
+            <a:fld id="{1A8160C6-3135-4D91-98E1-6167B3B225AE}" type="datetimeFigureOut">
               <a:rPr lang="zh-CN" altLang="en-US" smtClean="0"/>
               <a:t>2024/3/10</a:t>
             </a:fld>
@@ -1962,7 +1962,7 @@
           <p:cNvPr id="4" name="页脚占位符 3">
             <a:extLst>
               <a:ext uri="{FF2B5EF4-FFF2-40B4-BE49-F238E27FC236}">
-                <a16:creationId xmlns:a16="http://schemas.microsoft.com/office/drawing/2014/main" id="{10FE7439-3275-444C-AD1B-A941B8866206}"/>
+                <a16:creationId xmlns:a16="http://schemas.microsoft.com/office/drawing/2014/main" id="{7AF0ED5B-79A0-BF1C-EF06-1013A47F008F}"/>
               </a:ext>
             </a:extLst>
           </p:cNvPr>
@@ -1987,7 +1987,7 @@
           <p:cNvPr id="5" name="灯片编号占位符 4">
             <a:extLst>
               <a:ext uri="{FF2B5EF4-FFF2-40B4-BE49-F238E27FC236}">
-                <a16:creationId xmlns:a16="http://schemas.microsoft.com/office/drawing/2014/main" id="{5CBD2428-80AF-D9B1-B0C8-0B598CEBE573}"/>
+                <a16:creationId xmlns:a16="http://schemas.microsoft.com/office/drawing/2014/main" id="{BB65B768-BD98-FB3D-1C8D-50F84B330A92}"/>
               </a:ext>
             </a:extLst>
           </p:cNvPr>
@@ -2003,7 +2003,7 @@
           <a:bodyPr/>
           <a:lstStyle/>
           <a:p>
-            <a:fld id="{EE1C750B-2A47-4C16-B557-E287EBC1C316}" type="slidenum">
+            <a:fld id="{2D334A2C-AE88-4B50-B71C-005F5FC13364}" type="slidenum">
               <a:rPr lang="zh-CN" altLang="en-US" smtClean="0"/>
               <a:t>‹#›</a:t>
             </a:fld>
@@ -2014,7 +2014,7 @@
     </p:spTree>
     <p:extLst>
       <p:ext uri="{BB962C8B-B14F-4D97-AF65-F5344CB8AC3E}">
-        <p14:creationId xmlns:p14="http://schemas.microsoft.com/office/powerpoint/2010/main" val="680823759"/>
+        <p14:creationId xmlns:p14="http://schemas.microsoft.com/office/powerpoint/2010/main" val="1054524151"/>
       </p:ext>
     </p:extLst>
   </p:cSld>
@@ -2046,7 +2046,7 @@
           <p:cNvPr id="2" name="日期占位符 1">
             <a:extLst>
               <a:ext uri="{FF2B5EF4-FFF2-40B4-BE49-F238E27FC236}">
-                <a16:creationId xmlns:a16="http://schemas.microsoft.com/office/drawing/2014/main" id="{71384212-F26D-3A6D-4370-16FF8EEDF67F}"/>
+                <a16:creationId xmlns:a16="http://schemas.microsoft.com/office/drawing/2014/main" id="{E1E971B6-F7C2-657F-A145-F8D17AE48995}"/>
               </a:ext>
             </a:extLst>
           </p:cNvPr>
@@ -2062,7 +2062,7 @@
           <a:bodyPr/>
           <a:lstStyle/>
           <a:p>
-            <a:fld id="{A45ABB1B-15EC-4D25-B2A5-21AAAD3BA12A}" type="datetimeFigureOut">
+            <a:fld id="{1A8160C6-3135-4D91-98E1-6167B3B225AE}" type="datetimeFigureOut">
               <a:rPr lang="zh-CN" altLang="en-US" smtClean="0"/>
               <a:t>2024/3/10</a:t>
             </a:fld>
@@ -2075,7 +2075,7 @@
           <p:cNvPr id="3" name="页脚占位符 2">
             <a:extLst>
               <a:ext uri="{FF2B5EF4-FFF2-40B4-BE49-F238E27FC236}">
-                <a16:creationId xmlns:a16="http://schemas.microsoft.com/office/drawing/2014/main" id="{AD1CAE21-38DA-260E-322D-93A97BCA940B}"/>
+                <a16:creationId xmlns:a16="http://schemas.microsoft.com/office/drawing/2014/main" id="{26D71EDF-6CF0-3589-0108-DED40E3CC97C}"/>
               </a:ext>
             </a:extLst>
           </p:cNvPr>
@@ -2100,7 +2100,7 @@
           <p:cNvPr id="4" name="灯片编号占位符 3">
             <a:extLst>
               <a:ext uri="{FF2B5EF4-FFF2-40B4-BE49-F238E27FC236}">
-                <a16:creationId xmlns:a16="http://schemas.microsoft.com/office/drawing/2014/main" id="{4A1EA366-DBE4-F1FD-BE73-B3EDD8199475}"/>
+                <a16:creationId xmlns:a16="http://schemas.microsoft.com/office/drawing/2014/main" id="{344D0622-E864-D7F0-31A2-CE5B503792E7}"/>
               </a:ext>
             </a:extLst>
           </p:cNvPr>
@@ -2116,7 +2116,7 @@
           <a:bodyPr/>
           <a:lstStyle/>
           <a:p>
-            <a:fld id="{EE1C750B-2A47-4C16-B557-E287EBC1C316}" type="slidenum">
+            <a:fld id="{2D334A2C-AE88-4B50-B71C-005F5FC13364}" type="slidenum">
               <a:rPr lang="zh-CN" altLang="en-US" smtClean="0"/>
               <a:t>‹#›</a:t>
             </a:fld>
@@ -2127,7 +2127,7 @@
     </p:spTree>
     <p:extLst>
       <p:ext uri="{BB962C8B-B14F-4D97-AF65-F5344CB8AC3E}">
-        <p14:creationId xmlns:p14="http://schemas.microsoft.com/office/powerpoint/2010/main" val="1094446192"/>
+        <p14:creationId xmlns:p14="http://schemas.microsoft.com/office/powerpoint/2010/main" val="4170127604"/>
       </p:ext>
     </p:extLst>
   </p:cSld>
@@ -2159,7 +2159,7 @@
           <p:cNvPr id="2" name="标题 1">
             <a:extLst>
               <a:ext uri="{FF2B5EF4-FFF2-40B4-BE49-F238E27FC236}">
-                <a16:creationId xmlns:a16="http://schemas.microsoft.com/office/drawing/2014/main" id="{4D2DAC51-3A71-37D7-2BA1-72CF2ECA82F3}"/>
+                <a16:creationId xmlns:a16="http://schemas.microsoft.com/office/drawing/2014/main" id="{4B8A6ED2-4F68-3081-C4E5-9647804873D5}"/>
               </a:ext>
             </a:extLst>
           </p:cNvPr>
@@ -2196,7 +2196,7 @@
           <p:cNvPr id="3" name="内容占位符 2">
             <a:extLst>
               <a:ext uri="{FF2B5EF4-FFF2-40B4-BE49-F238E27FC236}">
-                <a16:creationId xmlns:a16="http://schemas.microsoft.com/office/drawing/2014/main" id="{FB7180E4-D1C2-0EC0-E15F-F0986FC77317}"/>
+                <a16:creationId xmlns:a16="http://schemas.microsoft.com/office/drawing/2014/main" id="{6439A761-0D03-E4BB-0556-317E525EDA8D}"/>
               </a:ext>
             </a:extLst>
           </p:cNvPr>
@@ -2286,7 +2286,7 @@
           <p:cNvPr id="4" name="文本占位符 3">
             <a:extLst>
               <a:ext uri="{FF2B5EF4-FFF2-40B4-BE49-F238E27FC236}">
-                <a16:creationId xmlns:a16="http://schemas.microsoft.com/office/drawing/2014/main" id="{54F8A563-B4F0-FA7B-5D9E-2E6F810A170C}"/>
+                <a16:creationId xmlns:a16="http://schemas.microsoft.com/office/drawing/2014/main" id="{E6ED402D-FA8E-B339-BC09-B00E32034D40}"/>
               </a:ext>
             </a:extLst>
           </p:cNvPr>
@@ -2357,7 +2357,7 @@
           <p:cNvPr id="5" name="日期占位符 4">
             <a:extLst>
               <a:ext uri="{FF2B5EF4-FFF2-40B4-BE49-F238E27FC236}">
-                <a16:creationId xmlns:a16="http://schemas.microsoft.com/office/drawing/2014/main" id="{12BD4CE9-2414-4A13-2EEF-DD686FE341AF}"/>
+                <a16:creationId xmlns:a16="http://schemas.microsoft.com/office/drawing/2014/main" id="{FE751690-EE89-73BA-5992-6FF531FC6312}"/>
               </a:ext>
             </a:extLst>
           </p:cNvPr>
@@ -2373,7 +2373,7 @@
           <a:bodyPr/>
           <a:lstStyle/>
           <a:p>
-            <a:fld id="{A45ABB1B-15EC-4D25-B2A5-21AAAD3BA12A}" type="datetimeFigureOut">
+            <a:fld id="{1A8160C6-3135-4D91-98E1-6167B3B225AE}" type="datetimeFigureOut">
               <a:rPr lang="zh-CN" altLang="en-US" smtClean="0"/>
               <a:t>2024/3/10</a:t>
             </a:fld>
@@ -2386,7 +2386,7 @@
           <p:cNvPr id="6" name="页脚占位符 5">
             <a:extLst>
               <a:ext uri="{FF2B5EF4-FFF2-40B4-BE49-F238E27FC236}">
-                <a16:creationId xmlns:a16="http://schemas.microsoft.com/office/drawing/2014/main" id="{ED7567DB-85B6-4C2A-025E-CFF88C04F82B}"/>
+                <a16:creationId xmlns:a16="http://schemas.microsoft.com/office/drawing/2014/main" id="{E5A1E38A-FE0D-F01C-BBE4-88701E67E10E}"/>
               </a:ext>
             </a:extLst>
           </p:cNvPr>
@@ -2411,7 +2411,7 @@
           <p:cNvPr id="7" name="灯片编号占位符 6">
             <a:extLst>
               <a:ext uri="{FF2B5EF4-FFF2-40B4-BE49-F238E27FC236}">
-                <a16:creationId xmlns:a16="http://schemas.microsoft.com/office/drawing/2014/main" id="{14275D74-CE0C-EABE-E1ED-82561F356E62}"/>
+                <a16:creationId xmlns:a16="http://schemas.microsoft.com/office/drawing/2014/main" id="{D7F96FC5-99E2-9008-1979-09D702D96205}"/>
               </a:ext>
             </a:extLst>
           </p:cNvPr>
@@ -2427,7 +2427,7 @@
           <a:bodyPr/>
           <a:lstStyle/>
           <a:p>
-            <a:fld id="{EE1C750B-2A47-4C16-B557-E287EBC1C316}" type="slidenum">
+            <a:fld id="{2D334A2C-AE88-4B50-B71C-005F5FC13364}" type="slidenum">
               <a:rPr lang="zh-CN" altLang="en-US" smtClean="0"/>
               <a:t>‹#›</a:t>
             </a:fld>
@@ -2438,7 +2438,7 @@
     </p:spTree>
     <p:extLst>
       <p:ext uri="{BB962C8B-B14F-4D97-AF65-F5344CB8AC3E}">
-        <p14:creationId xmlns:p14="http://schemas.microsoft.com/office/powerpoint/2010/main" val="867492584"/>
+        <p14:creationId xmlns:p14="http://schemas.microsoft.com/office/powerpoint/2010/main" val="2208825095"/>
       </p:ext>
     </p:extLst>
   </p:cSld>
@@ -2470,7 +2470,7 @@
           <p:cNvPr id="2" name="标题 1">
             <a:extLst>
               <a:ext uri="{FF2B5EF4-FFF2-40B4-BE49-F238E27FC236}">
-                <a16:creationId xmlns:a16="http://schemas.microsoft.com/office/drawing/2014/main" id="{5A0625ED-D736-6F6A-CDF8-C40C461D171E}"/>
+                <a16:creationId xmlns:a16="http://schemas.microsoft.com/office/drawing/2014/main" id="{C2F657CE-9D12-19E4-F682-F0520168D1ED}"/>
               </a:ext>
             </a:extLst>
           </p:cNvPr>
@@ -2507,7 +2507,7 @@
           <p:cNvPr id="3" name="图片占位符 2">
             <a:extLst>
               <a:ext uri="{FF2B5EF4-FFF2-40B4-BE49-F238E27FC236}">
-                <a16:creationId xmlns:a16="http://schemas.microsoft.com/office/drawing/2014/main" id="{2713E37A-E0F5-50D7-DB3D-3B620FCE74B1}"/>
+                <a16:creationId xmlns:a16="http://schemas.microsoft.com/office/drawing/2014/main" id="{FD52BDE8-F116-BECC-F50B-77705225F264}"/>
               </a:ext>
             </a:extLst>
           </p:cNvPr>
@@ -2574,7 +2574,7 @@
           <p:cNvPr id="4" name="文本占位符 3">
             <a:extLst>
               <a:ext uri="{FF2B5EF4-FFF2-40B4-BE49-F238E27FC236}">
-                <a16:creationId xmlns:a16="http://schemas.microsoft.com/office/drawing/2014/main" id="{9D3360EE-BF23-0206-E82D-AA00C502B580}"/>
+                <a16:creationId xmlns:a16="http://schemas.microsoft.com/office/drawing/2014/main" id="{D00C815B-EAEE-3A10-353E-D2848F4A19BE}"/>
               </a:ext>
             </a:extLst>
           </p:cNvPr>
@@ -2645,7 +2645,7 @@
           <p:cNvPr id="5" name="日期占位符 4">
             <a:extLst>
               <a:ext uri="{FF2B5EF4-FFF2-40B4-BE49-F238E27FC236}">
-                <a16:creationId xmlns:a16="http://schemas.microsoft.com/office/drawing/2014/main" id="{3F737C56-CE21-60DB-2A65-B3AE2FDE85A2}"/>
+                <a16:creationId xmlns:a16="http://schemas.microsoft.com/office/drawing/2014/main" id="{3F102653-B0AD-4320-D2F3-BDBD3531CC49}"/>
               </a:ext>
             </a:extLst>
           </p:cNvPr>
@@ -2661,7 +2661,7 @@
           <a:bodyPr/>
           <a:lstStyle/>
           <a:p>
-            <a:fld id="{A45ABB1B-15EC-4D25-B2A5-21AAAD3BA12A}" type="datetimeFigureOut">
+            <a:fld id="{1A8160C6-3135-4D91-98E1-6167B3B225AE}" type="datetimeFigureOut">
               <a:rPr lang="zh-CN" altLang="en-US" smtClean="0"/>
               <a:t>2024/3/10</a:t>
             </a:fld>
@@ -2674,7 +2674,7 @@
           <p:cNvPr id="6" name="页脚占位符 5">
             <a:extLst>
               <a:ext uri="{FF2B5EF4-FFF2-40B4-BE49-F238E27FC236}">
-                <a16:creationId xmlns:a16="http://schemas.microsoft.com/office/drawing/2014/main" id="{EAC436C7-F66B-9679-A0A7-CDC17DBA7178}"/>
+                <a16:creationId xmlns:a16="http://schemas.microsoft.com/office/drawing/2014/main" id="{CD797868-5387-16EB-6215-282084570B9E}"/>
               </a:ext>
             </a:extLst>
           </p:cNvPr>
@@ -2699,7 +2699,7 @@
           <p:cNvPr id="7" name="灯片编号占位符 6">
             <a:extLst>
               <a:ext uri="{FF2B5EF4-FFF2-40B4-BE49-F238E27FC236}">
-                <a16:creationId xmlns:a16="http://schemas.microsoft.com/office/drawing/2014/main" id="{B61EE24D-5499-7029-480B-7C38783C8740}"/>
+                <a16:creationId xmlns:a16="http://schemas.microsoft.com/office/drawing/2014/main" id="{8A0002BF-AAFA-40A9-06F0-21863379F089}"/>
               </a:ext>
             </a:extLst>
           </p:cNvPr>
@@ -2715,7 +2715,7 @@
           <a:bodyPr/>
           <a:lstStyle/>
           <a:p>
-            <a:fld id="{EE1C750B-2A47-4C16-B557-E287EBC1C316}" type="slidenum">
+            <a:fld id="{2D334A2C-AE88-4B50-B71C-005F5FC13364}" type="slidenum">
               <a:rPr lang="zh-CN" altLang="en-US" smtClean="0"/>
               <a:t>‹#›</a:t>
             </a:fld>
@@ -2726,7 +2726,7 @@
     </p:spTree>
     <p:extLst>
       <p:ext uri="{BB962C8B-B14F-4D97-AF65-F5344CB8AC3E}">
-        <p14:creationId xmlns:p14="http://schemas.microsoft.com/office/powerpoint/2010/main" val="3976372982"/>
+        <p14:creationId xmlns:p14="http://schemas.microsoft.com/office/powerpoint/2010/main" val="3898259517"/>
       </p:ext>
     </p:extLst>
   </p:cSld>
@@ -2763,7 +2763,7 @@
           <p:cNvPr id="2" name="标题占位符 1">
             <a:extLst>
               <a:ext uri="{FF2B5EF4-FFF2-40B4-BE49-F238E27FC236}">
-                <a16:creationId xmlns:a16="http://schemas.microsoft.com/office/drawing/2014/main" id="{F3276471-F93B-066C-070A-442331E3C6FE}"/>
+                <a16:creationId xmlns:a16="http://schemas.microsoft.com/office/drawing/2014/main" id="{401E304F-538B-43F3-E4B8-272E6DC14B71}"/>
               </a:ext>
             </a:extLst>
           </p:cNvPr>
@@ -2801,7 +2801,7 @@
           <p:cNvPr id="3" name="文本占位符 2">
             <a:extLst>
               <a:ext uri="{FF2B5EF4-FFF2-40B4-BE49-F238E27FC236}">
-                <a16:creationId xmlns:a16="http://schemas.microsoft.com/office/drawing/2014/main" id="{9BF2B24B-88FD-C56B-EFB0-CE023ADAB11F}"/>
+                <a16:creationId xmlns:a16="http://schemas.microsoft.com/office/drawing/2014/main" id="{122E5A28-7A34-D3A2-2589-C3CEA789A07E}"/>
               </a:ext>
             </a:extLst>
           </p:cNvPr>
@@ -2868,7 +2868,7 @@
           <p:cNvPr id="4" name="日期占位符 3">
             <a:extLst>
               <a:ext uri="{FF2B5EF4-FFF2-40B4-BE49-F238E27FC236}">
-                <a16:creationId xmlns:a16="http://schemas.microsoft.com/office/drawing/2014/main" id="{AE242BEA-2815-CD26-3A8A-D9CF58B82C7C}"/>
+                <a16:creationId xmlns:a16="http://schemas.microsoft.com/office/drawing/2014/main" id="{BBB7C185-2BFB-961A-5B8D-D6CDEF9ED14B}"/>
               </a:ext>
             </a:extLst>
           </p:cNvPr>
@@ -2902,7 +2902,7 @@
             </a:lvl1pPr>
           </a:lstStyle>
           <a:p>
-            <a:fld id="{A45ABB1B-15EC-4D25-B2A5-21AAAD3BA12A}" type="datetimeFigureOut">
+            <a:fld id="{1A8160C6-3135-4D91-98E1-6167B3B225AE}" type="datetimeFigureOut">
               <a:rPr lang="zh-CN" altLang="en-US" smtClean="0"/>
               <a:t>2024/3/10</a:t>
             </a:fld>
@@ -2915,7 +2915,7 @@
           <p:cNvPr id="5" name="页脚占位符 4">
             <a:extLst>
               <a:ext uri="{FF2B5EF4-FFF2-40B4-BE49-F238E27FC236}">
-                <a16:creationId xmlns:a16="http://schemas.microsoft.com/office/drawing/2014/main" id="{24742703-158E-686F-53E0-A377F8804FB4}"/>
+                <a16:creationId xmlns:a16="http://schemas.microsoft.com/office/drawing/2014/main" id="{8726F966-EB36-4CF1-C384-1D532ED2B133}"/>
               </a:ext>
             </a:extLst>
           </p:cNvPr>
@@ -2958,7 +2958,7 @@
           <p:cNvPr id="6" name="灯片编号占位符 5">
             <a:extLst>
               <a:ext uri="{FF2B5EF4-FFF2-40B4-BE49-F238E27FC236}">
-                <a16:creationId xmlns:a16="http://schemas.microsoft.com/office/drawing/2014/main" id="{F785E07F-6C51-3F90-BF83-5411985794D0}"/>
+                <a16:creationId xmlns:a16="http://schemas.microsoft.com/office/drawing/2014/main" id="{431EE30C-BB8C-3F31-165C-CE6C3A9BB1DF}"/>
               </a:ext>
             </a:extLst>
           </p:cNvPr>
@@ -2992,7 +2992,7 @@
             </a:lvl1pPr>
           </a:lstStyle>
           <a:p>
-            <a:fld id="{EE1C750B-2A47-4C16-B557-E287EBC1C316}" type="slidenum">
+            <a:fld id="{2D334A2C-AE88-4B50-B71C-005F5FC13364}" type="slidenum">
               <a:rPr lang="zh-CN" altLang="en-US" smtClean="0"/>
               <a:t>‹#›</a:t>
             </a:fld>
@@ -3003,7 +3003,7 @@
     </p:spTree>
     <p:extLst>
       <p:ext uri="{BB962C8B-B14F-4D97-AF65-F5344CB8AC3E}">
-        <p14:creationId xmlns:p14="http://schemas.microsoft.com/office/powerpoint/2010/main" val="179389931"/>
+        <p14:creationId xmlns:p14="http://schemas.microsoft.com/office/powerpoint/2010/main" val="3622928465"/>
       </p:ext>
     </p:extLst>
   </p:cSld>
@@ -3323,7 +3323,7 @@
       </p:grpSpPr>
       <p:pic>
         <p:nvPicPr>
-          <p:cNvPr id="998402" name="Picture 2" descr="974"/>
+          <p:cNvPr id="999426" name="Picture 2" descr="975"/>
           <p:cNvPicPr>
             <a:picLocks noChangeAspect="1" noChangeArrowheads="1"/>
           </p:cNvPicPr>
@@ -3344,8 +3344,8 @@
         </p:blipFill>
         <p:spPr bwMode="auto">
           <a:xfrm>
-            <a:off x="1543050" y="1"/>
-            <a:ext cx="9124950" cy="6843713"/>
+            <a:off x="1524000" y="0"/>
+            <a:ext cx="9144000" cy="6858000"/>
           </a:xfrm>
           <a:prstGeom prst="rect">
             <a:avLst/>
@@ -3375,158 +3375,11 @@
           </a:extLst>
         </p:spPr>
       </p:pic>
-      <p:pic>
-        <p:nvPicPr>
-          <p:cNvPr id="999427" name="Picture 3" descr="974-2"/>
-          <p:cNvPicPr>
-            <a:picLocks noChangeAspect="1" noChangeArrowheads="1"/>
-          </p:cNvPicPr>
-          <p:nvPr/>
-        </p:nvPicPr>
-        <p:blipFill>
-          <a:blip r:embed="rId3">
-            <a:extLst>
-              <a:ext uri="{28A0092B-C50C-407E-A947-70E740481C1C}">
-                <a14:useLocalDpi xmlns:a14="http://schemas.microsoft.com/office/drawing/2010/main" val="0"/>
-              </a:ext>
-            </a:extLst>
-          </a:blip>
-          <a:srcRect/>
-          <a:stretch>
-            <a:fillRect/>
-          </a:stretch>
-        </p:blipFill>
-        <p:spPr bwMode="auto">
-          <a:xfrm>
-            <a:off x="1524000" y="0"/>
-            <a:ext cx="9144000" cy="6858000"/>
-          </a:xfrm>
-          <a:prstGeom prst="rect">
-            <a:avLst/>
-          </a:prstGeom>
-          <a:noFill/>
-          <a:ln>
-            <a:noFill/>
-          </a:ln>
-          <a:effectLst/>
-          <a:extLst>
-            <a:ext uri="{909E8E84-426E-40DD-AFC4-6F175D3DCCD1}">
-              <a14:hiddenFill xmlns:a14="http://schemas.microsoft.com/office/drawing/2010/main">
-                <a:solidFill>
-                  <a:srgbClr val="FFFFFF"/>
-                </a:solidFill>
-              </a14:hiddenFill>
-            </a:ext>
-            <a:ext uri="{91240B29-F687-4F45-9708-019B960494DF}">
-              <a14:hiddenLine xmlns:a14="http://schemas.microsoft.com/office/drawing/2010/main" w="9525">
-                <a:solidFill>
-                  <a:srgbClr val="000000"/>
-                </a:solidFill>
-                <a:miter lim="800000"/>
-                <a:headEnd/>
-                <a:tailEnd/>
-              </a14:hiddenLine>
-            </a:ext>
-            <a:ext uri="{AF507438-7753-43E0-B8FC-AC1667EBCBE1}">
-              <a14:hiddenEffects xmlns:a14="http://schemas.microsoft.com/office/drawing/2010/main">
-                <a:effectLst>
-                  <a:outerShdw dist="35921" dir="2700000" algn="ctr" rotWithShape="0">
-                    <a:srgbClr val="808080"/>
-                  </a:outerShdw>
-                </a:effectLst>
-              </a14:hiddenEffects>
-            </a:ext>
-          </a:extLst>
-        </p:spPr>
-      </p:pic>
     </p:spTree>
   </p:cSld>
   <p:clrMapOvr>
     <a:masterClrMapping/>
   </p:clrMapOvr>
-  <p:timing>
-    <p:tnLst>
-      <p:par>
-        <p:cTn id="1" dur="indefinite" restart="never" nodeType="tmRoot">
-          <p:childTnLst>
-            <p:seq concurrent="1" nextAc="seek">
-              <p:cTn id="2" dur="indefinite" nodeType="mainSeq">
-                <p:childTnLst>
-                  <p:par>
-                    <p:cTn id="3" fill="hold" nodeType="clickPar">
-                      <p:stCondLst>
-                        <p:cond delay="indefinite"/>
-                      </p:stCondLst>
-                      <p:childTnLst>
-                        <p:par>
-                          <p:cTn id="4" fill="hold" nodeType="withGroup">
-                            <p:stCondLst>
-                              <p:cond delay="0"/>
-                            </p:stCondLst>
-                            <p:childTnLst>
-                              <p:par>
-                                <p:cTn id="5" presetID="10" presetClass="entr" presetSubtype="0" fill="hold" nodeType="clickEffect">
-                                  <p:stCondLst>
-                                    <p:cond delay="0"/>
-                                  </p:stCondLst>
-                                  <p:childTnLst>
-                                    <p:set>
-                                      <p:cBhvr>
-                                        <p:cTn id="6" dur="1" fill="hold">
-                                          <p:stCondLst>
-                                            <p:cond delay="0"/>
-                                          </p:stCondLst>
-                                        </p:cTn>
-                                        <p:tgtEl>
-                                          <p:spTgt spid="999427"/>
-                                        </p:tgtEl>
-                                        <p:attrNameLst>
-                                          <p:attrName>style.visibility</p:attrName>
-                                        </p:attrNameLst>
-                                      </p:cBhvr>
-                                      <p:to>
-                                        <p:strVal val="visible"/>
-                                      </p:to>
-                                    </p:set>
-                                    <p:animEffect transition="in" filter="fade">
-                                      <p:cBhvr>
-                                        <p:cTn id="7" dur="500"/>
-                                        <p:tgtEl>
-                                          <p:spTgt spid="999427"/>
-                                        </p:tgtEl>
-                                      </p:cBhvr>
-                                    </p:animEffect>
-                                  </p:childTnLst>
-                                </p:cTn>
-                              </p:par>
-                            </p:childTnLst>
-                          </p:cTn>
-                        </p:par>
-                      </p:childTnLst>
-                    </p:cTn>
-                  </p:par>
-                </p:childTnLst>
-              </p:cTn>
-              <p:prevCondLst>
-                <p:cond evt="onPrev" delay="0">
-                  <p:tgtEl>
-                    <p:sldTgt/>
-                  </p:tgtEl>
-                </p:cond>
-              </p:prevCondLst>
-              <p:nextCondLst>
-                <p:cond evt="onNext" delay="0">
-                  <p:tgtEl>
-                    <p:sldTgt/>
-                  </p:tgtEl>
-                </p:cond>
-              </p:nextCondLst>
-            </p:seq>
-          </p:childTnLst>
-        </p:cTn>
-      </p:par>
-    </p:tnLst>
-  </p:timing>
 </p:sld>
 </file>
 
